--- a/img/プレゼンテーション1.pptx
+++ b/img/プレゼンテーション1.pptx
@@ -3627,10 +3627,10 @@
       </p:grpSpPr>
       <p:grpSp>
         <p:nvGrpSpPr>
-          <p:cNvPr id="20" name="グループ化 19">
-            <a:extLst>
-              <a:ext uri="{FF2B5EF4-FFF2-40B4-BE49-F238E27FC236}">
-                <a16:creationId xmlns:a16="http://schemas.microsoft.com/office/drawing/2014/main" id="{C4990B85-260E-CC49-9550-17644A344083}"/>
+          <p:cNvPr id="3" name="グループ化 2">
+            <a:extLst>
+              <a:ext uri="{FF2B5EF4-FFF2-40B4-BE49-F238E27FC236}">
+                <a16:creationId xmlns:a16="http://schemas.microsoft.com/office/drawing/2014/main" id="{0D5D4E4C-BF19-0C4A-85AE-8C3E4F1D377C}"/>
               </a:ext>
             </a:extLst>
           </p:cNvPr>
@@ -3746,6 +3746,106 @@
         </p:sp>
         <p:sp>
           <p:nvSpPr>
+            <p:cNvPr id="15" name="テキスト ボックス 14">
+              <a:extLst>
+                <a:ext uri="{FF2B5EF4-FFF2-40B4-BE49-F238E27FC236}">
+                  <a16:creationId xmlns:a16="http://schemas.microsoft.com/office/drawing/2014/main" id="{7E565EFF-FAB2-E949-B0CC-B4C43C4FBA5D}"/>
+                </a:ext>
+              </a:extLst>
+            </p:cNvPr>
+            <p:cNvSpPr txBox="1"/>
+            <p:nvPr/>
+          </p:nvSpPr>
+          <p:spPr>
+            <a:xfrm rot="1403187">
+              <a:off x="4181351" y="5106742"/>
+              <a:ext cx="2501006" cy="369332"/>
+            </a:xfrm>
+            <a:prstGeom prst="rect">
+              <a:avLst/>
+            </a:prstGeom>
+            <a:noFill/>
+          </p:spPr>
+          <p:txBody>
+            <a:bodyPr wrap="none" rtlCol="0">
+              <a:spAutoFit/>
+            </a:bodyPr>
+            <a:lstStyle/>
+            <a:p>
+              <a:r>
+                <a:rPr lang="en-US" altLang="ja-JP" b="1" dirty="0">
+                  <a:solidFill>
+                    <a:schemeClr val="bg1"/>
+                  </a:solidFill>
+                  <a:latin typeface="Baskerville Old Face" panose="02020602080505020303" pitchFamily="18" charset="0"/>
+                </a:rPr>
+                <a:t>Epidemiology &amp; Statistics</a:t>
+              </a:r>
+              <a:endParaRPr lang="ja-JP" altLang="en-US" b="1">
+                <a:solidFill>
+                  <a:schemeClr val="bg1"/>
+                </a:solidFill>
+                <a:latin typeface="Baskerville Old Face" panose="02020602080505020303" pitchFamily="18" charset="0"/>
+              </a:endParaRPr>
+            </a:p>
+          </p:txBody>
+        </p:sp>
+        <p:sp>
+          <p:nvSpPr>
+            <p:cNvPr id="2" name="円/楕円 1">
+              <a:extLst>
+                <a:ext uri="{FF2B5EF4-FFF2-40B4-BE49-F238E27FC236}">
+                  <a16:creationId xmlns:a16="http://schemas.microsoft.com/office/drawing/2014/main" id="{00BF34F8-D658-104F-AE49-18F920524C8F}"/>
+                </a:ext>
+              </a:extLst>
+            </p:cNvPr>
+            <p:cNvSpPr/>
+            <p:nvPr/>
+          </p:nvSpPr>
+          <p:spPr>
+            <a:xfrm>
+              <a:off x="6395378" y="1347952"/>
+              <a:ext cx="3584028" cy="2081048"/>
+            </a:xfrm>
+            <a:prstGeom prst="ellipse">
+              <a:avLst/>
+            </a:prstGeom>
+            <a:solidFill>
+              <a:srgbClr val="FF7E79">
+                <a:alpha val="64000"/>
+              </a:srgbClr>
+            </a:solidFill>
+            <a:ln>
+              <a:noFill/>
+            </a:ln>
+          </p:spPr>
+          <p:style>
+            <a:lnRef idx="2">
+              <a:schemeClr val="accent1">
+                <a:shade val="50000"/>
+              </a:schemeClr>
+            </a:lnRef>
+            <a:fillRef idx="1">
+              <a:schemeClr val="accent1"/>
+            </a:fillRef>
+            <a:effectRef idx="0">
+              <a:schemeClr val="accent1"/>
+            </a:effectRef>
+            <a:fontRef idx="minor">
+              <a:schemeClr val="lt1"/>
+            </a:fontRef>
+          </p:style>
+          <p:txBody>
+            <a:bodyPr rtlCol="0" anchor="ctr"/>
+            <a:lstStyle/>
+            <a:p>
+              <a:pPr algn="ctr"/>
+              <a:endParaRPr kumimoji="1" lang="ja-JP" altLang="en-US"/>
+            </a:p>
+          </p:txBody>
+        </p:sp>
+        <p:sp>
+          <p:nvSpPr>
             <p:cNvPr id="12" name="テキスト ボックス 11">
               <a:extLst>
                 <a:ext uri="{FF2B5EF4-FFF2-40B4-BE49-F238E27FC236}">
@@ -3758,7 +3858,7 @@
           </p:nvSpPr>
           <p:spPr>
             <a:xfrm rot="150528">
-              <a:off x="6781828" y="1697927"/>
+              <a:off x="6581804" y="1331366"/>
               <a:ext cx="3074202" cy="2031325"/>
             </a:xfrm>
             <a:prstGeom prst="rect">
@@ -3792,7 +3892,7 @@
                   </a:solidFill>
                   <a:latin typeface="Baskerville Old Face" panose="02020602080505020303" pitchFamily="18" charset="0"/>
                 </a:rPr>
-                <a:t>Happiness</a:t>
+                <a:t>Happiness /</a:t>
               </a:r>
               <a:r>
                 <a:rPr kumimoji="1" lang="en-US" altLang="ja-JP" b="1" dirty="0">
@@ -3848,52 +3948,6 @@
             </a:p>
             <a:p>
               <a:pPr algn="ctr"/>
-              <a:endParaRPr lang="ja-JP" altLang="en-US" b="1">
-                <a:solidFill>
-                  <a:schemeClr val="bg1"/>
-                </a:solidFill>
-                <a:latin typeface="Baskerville Old Face" panose="02020602080505020303" pitchFamily="18" charset="0"/>
-              </a:endParaRPr>
-            </a:p>
-          </p:txBody>
-        </p:sp>
-        <p:sp>
-          <p:nvSpPr>
-            <p:cNvPr id="15" name="テキスト ボックス 14">
-              <a:extLst>
-                <a:ext uri="{FF2B5EF4-FFF2-40B4-BE49-F238E27FC236}">
-                  <a16:creationId xmlns:a16="http://schemas.microsoft.com/office/drawing/2014/main" id="{7E565EFF-FAB2-E949-B0CC-B4C43C4FBA5D}"/>
-                </a:ext>
-              </a:extLst>
-            </p:cNvPr>
-            <p:cNvSpPr txBox="1"/>
-            <p:nvPr/>
-          </p:nvSpPr>
-          <p:spPr>
-            <a:xfrm rot="1403187">
-              <a:off x="4095625" y="5049592"/>
-              <a:ext cx="2501006" cy="369332"/>
-            </a:xfrm>
-            <a:prstGeom prst="rect">
-              <a:avLst/>
-            </a:prstGeom>
-            <a:noFill/>
-          </p:spPr>
-          <p:txBody>
-            <a:bodyPr wrap="none" rtlCol="0">
-              <a:spAutoFit/>
-            </a:bodyPr>
-            <a:lstStyle/>
-            <a:p>
-              <a:r>
-                <a:rPr lang="en-US" altLang="ja-JP" b="1" dirty="0">
-                  <a:solidFill>
-                    <a:schemeClr val="bg1"/>
-                  </a:solidFill>
-                  <a:latin typeface="Baskerville Old Face" panose="02020602080505020303" pitchFamily="18" charset="0"/>
-                </a:rPr>
-                <a:t>Epidemiology &amp; Statistics</a:t>
-              </a:r>
               <a:endParaRPr lang="ja-JP" altLang="en-US" b="1">
                 <a:solidFill>
                   <a:schemeClr val="bg1"/>
